--- a/misc/Menu Letter 8.5 by 11 on 12-12-24/1_Letter_DaBeast Services Menu.pptx
+++ b/misc/Menu Letter 8.5 by 11 on 12-12-24/1_Letter_DaBeast Services Menu.pptx
@@ -21,7 +21,7 @@
       <p:boldItalic r:id="rId7"/>
     </p:embeddedFont>
     <p:embeddedFont>
-      <p:font typeface="Open Sans" panose="020B0606030504020204" pitchFamily="34" charset="0"/>
+      <p:font typeface="Open Sans" panose="020B0604020202020204" charset="0"/>
       <p:regular r:id="rId8"/>
       <p:bold r:id="rId9"/>
       <p:italic r:id="rId10"/>
@@ -16639,7 +16639,7 @@
               <a:buChar char="•"/>
             </a:pPr>
             <a:r>
-              <a:rPr lang="en-US" sz="2000" b="0" i="0" u="none" strike="noStrike" cap="none" dirty="0">
+              <a:rPr lang="en-US" sz="2000" b="0" i="0" u="none" strike="noStrike" cap="none">
                 <a:solidFill>
                   <a:schemeClr val="lt1"/>
                 </a:solidFill>
@@ -17080,7 +17080,7 @@
         <p:spPr>
           <a:xfrm>
             <a:off x="4043496" y="6579279"/>
-            <a:ext cx="3491700" cy="3025611"/>
+            <a:ext cx="3491700" cy="3179500"/>
           </a:xfrm>
           <a:prstGeom prst="rect">
             <a:avLst/>
@@ -17280,23 +17280,17 @@
               </a:rPr>
               <a:t>☺</a:t>
             </a:r>
-          </a:p>
-          <a:p>
-            <a:pPr marL="654050" marR="0" lvl="1" algn="l" rtl="0">
-              <a:lnSpc>
-                <a:spcPct val="100000"/>
-              </a:lnSpc>
-              <a:spcBef>
-                <a:spcPts val="0"/>
-              </a:spcBef>
-              <a:spcAft>
-                <a:spcPts val="0"/>
-              </a:spcAft>
-              <a:buClr>
-                <a:schemeClr val="lt1"/>
-              </a:buClr>
-              <a:buSzPts val="1500"/>
-            </a:pPr>
+            <a:br>
+              <a:rPr lang="en-US" sz="1500" b="0" i="0" u="none" strike="noStrike" cap="none" dirty="0">
+                <a:solidFill>
+                  <a:schemeClr val="lt1"/>
+                </a:solidFill>
+                <a:latin typeface="Arial Narrow"/>
+                <a:ea typeface="Arial Narrow"/>
+                <a:cs typeface="Arial Narrow"/>
+                <a:sym typeface="Arial Narrow"/>
+              </a:rPr>
+            </a:br>
             <a:endParaRPr sz="2000" b="0" i="0" u="none" strike="noStrike" cap="none" dirty="0">
               <a:solidFill>
                 <a:schemeClr val="lt1"/>
@@ -17349,9 +17343,18 @@
               </a:rPr>
               <a:t>3</a:t>
             </a:r>
+            <a:endParaRPr lang="en-US" sz="1500" b="0" i="0" u="none" strike="noStrike" cap="none" dirty="0">
+              <a:solidFill>
+                <a:srgbClr val="000000"/>
+              </a:solidFill>
+              <a:latin typeface="Arial"/>
+              <a:ea typeface="Arial"/>
+              <a:cs typeface="Arial"/>
+              <a:sym typeface="Arial"/>
+            </a:endParaRPr>
           </a:p>
           <a:p>
-            <a:pPr marR="0" lvl="0" algn="l" rtl="0">
+            <a:pPr marL="1003300" marR="0" lvl="1" indent="-349250" algn="l" rtl="0">
               <a:lnSpc>
                 <a:spcPct val="100000"/>
               </a:lnSpc>
@@ -17364,8 +17367,69 @@
               <a:buClr>
                 <a:schemeClr val="lt1"/>
               </a:buClr>
-              <a:buSzPts val="2000"/>
+              <a:buSzPts val="1500"/>
+              <a:buFont typeface="Arial Narrow"/>
+              <a:buChar char="○"/>
             </a:pPr>
+            <a:r>
+              <a:rPr lang="en-US" sz="1500" b="0" i="1" u="none" strike="noStrike" cap="none" dirty="0">
+                <a:solidFill>
+                  <a:schemeClr val="lt1"/>
+                </a:solidFill>
+                <a:latin typeface="Arial Narrow"/>
+                <a:ea typeface="Arial Narrow"/>
+                <a:cs typeface="Arial Narrow"/>
+                <a:sym typeface="Arial Narrow"/>
+              </a:rPr>
+              <a:t>Gatorade, </a:t>
+            </a:r>
+            <a:r>
+              <a:rPr lang="en-US" sz="1500" b="0" i="1" u="none" strike="noStrike" cap="none" dirty="0" err="1">
+                <a:solidFill>
+                  <a:schemeClr val="lt1"/>
+                </a:solidFill>
+                <a:latin typeface="Arial Narrow"/>
+                <a:ea typeface="Arial Narrow"/>
+                <a:cs typeface="Arial Narrow"/>
+                <a:sym typeface="Arial Narrow"/>
+              </a:rPr>
+              <a:t>Redbull</a:t>
+            </a:r>
+            <a:r>
+              <a:rPr lang="en-US" sz="1500" b="0" i="1" u="none" strike="noStrike" cap="none" dirty="0">
+                <a:solidFill>
+                  <a:schemeClr val="lt1"/>
+                </a:solidFill>
+                <a:latin typeface="Arial Narrow"/>
+                <a:ea typeface="Arial Narrow"/>
+                <a:cs typeface="Arial Narrow"/>
+                <a:sym typeface="Arial Narrow"/>
+              </a:rPr>
+              <a:t>, Coke,</a:t>
+            </a:r>
+            <a:br>
+              <a:rPr lang="en-US" sz="1500" b="0" i="1" u="none" strike="noStrike" cap="none" dirty="0">
+                <a:solidFill>
+                  <a:schemeClr val="lt1"/>
+                </a:solidFill>
+                <a:latin typeface="Arial Narrow"/>
+                <a:ea typeface="Arial Narrow"/>
+                <a:cs typeface="Arial Narrow"/>
+                <a:sym typeface="Arial Narrow"/>
+              </a:rPr>
+            </a:br>
+            <a:r>
+              <a:rPr lang="en-US" sz="1500" b="0" i="1" u="none" strike="noStrike" cap="none" dirty="0">
+                <a:solidFill>
+                  <a:schemeClr val="lt1"/>
+                </a:solidFill>
+                <a:latin typeface="Arial Narrow"/>
+                <a:ea typeface="Arial Narrow"/>
+                <a:cs typeface="Arial Narrow"/>
+                <a:sym typeface="Arial Narrow"/>
+              </a:rPr>
+              <a:t>Sprite, Fanta, Ice Tea, etc.</a:t>
+            </a:r>
             <a:endParaRPr sz="2000" b="0" i="0" u="none" strike="noStrike" cap="none" dirty="0">
               <a:solidFill>
                 <a:schemeClr val="lt1"/>

--- a/misc/Menu Letter 8.5 by 11 on 12-12-24/1_Letter_DaBeast Services Menu.pptx
+++ b/misc/Menu Letter 8.5 by 11 on 12-12-24/1_Letter_DaBeast Services Menu.pptx
@@ -15317,7 +15317,7 @@
         </p:nvSpPr>
         <p:spPr>
           <a:xfrm>
-            <a:off x="3968074" y="4438933"/>
+            <a:off x="3968074" y="4401355"/>
             <a:ext cx="3601200" cy="2248058"/>
           </a:xfrm>
           <a:prstGeom prst="roundRect">
@@ -15492,7 +15492,7 @@
         </p:nvSpPr>
         <p:spPr>
           <a:xfrm>
-            <a:off x="202991" y="1835959"/>
+            <a:off x="203126" y="1735751"/>
             <a:ext cx="3765300" cy="4165500"/>
           </a:xfrm>
           <a:prstGeom prst="rect">
@@ -15964,7 +15964,7 @@
         </p:nvSpPr>
         <p:spPr>
           <a:xfrm>
-            <a:off x="4035369" y="1835964"/>
+            <a:off x="4035504" y="1773334"/>
             <a:ext cx="3491700" cy="5626323"/>
           </a:xfrm>
           <a:prstGeom prst="rect">
@@ -16639,7 +16639,7 @@
               <a:buChar char="•"/>
             </a:pPr>
             <a:r>
-              <a:rPr lang="en-US" sz="2000" b="0" i="0" u="none" strike="noStrike" cap="none">
+              <a:rPr lang="en-US" sz="2000" b="0" i="0" u="none" strike="noStrike" cap="none" dirty="0">
                 <a:solidFill>
                   <a:schemeClr val="lt1"/>
                 </a:solidFill>
@@ -16777,7 +16777,7 @@
         </p:nvSpPr>
         <p:spPr>
           <a:xfrm>
-            <a:off x="348115" y="6579285"/>
+            <a:off x="348115" y="6598074"/>
             <a:ext cx="3620100" cy="2179800"/>
           </a:xfrm>
           <a:prstGeom prst="rect">
@@ -17027,7 +17027,7 @@
         </p:nvCxnSpPr>
         <p:spPr>
           <a:xfrm>
-            <a:off x="176323" y="2528017"/>
+            <a:off x="176323" y="2490439"/>
             <a:ext cx="7350900" cy="0"/>
           </a:xfrm>
           <a:prstGeom prst="straightConnector1">
@@ -17079,7 +17079,7 @@
         </p:nvSpPr>
         <p:spPr>
           <a:xfrm>
-            <a:off x="4043496" y="6579279"/>
+            <a:off x="4043496" y="6598068"/>
             <a:ext cx="3491700" cy="3179500"/>
           </a:xfrm>
           <a:prstGeom prst="rect">
@@ -17428,7 +17428,7 @@
                 <a:cs typeface="Arial Narrow"/>
                 <a:sym typeface="Arial Narrow"/>
               </a:rPr>
-              <a:t>Sprite, Fanta, Ice Tea, etc.</a:t>
+              <a:t>Sprite, Fanta, Iced Tea, etc.</a:t>
             </a:r>
             <a:endParaRPr sz="2000" b="0" i="0" u="none" strike="noStrike" cap="none" dirty="0">
               <a:solidFill>
@@ -17502,7 +17502,7 @@
         </p:nvSpPr>
         <p:spPr>
           <a:xfrm>
-            <a:off x="170226" y="9560531"/>
+            <a:off x="170226" y="9591846"/>
             <a:ext cx="3438300" cy="378900"/>
           </a:xfrm>
           <a:prstGeom prst="rect">
@@ -17650,7 +17650,7 @@
         </p:nvGrpSpPr>
         <p:grpSpPr>
           <a:xfrm>
-            <a:off x="2518410" y="1911337"/>
+            <a:off x="2518410" y="1873759"/>
             <a:ext cx="815274" cy="523220"/>
             <a:chOff x="2415540" y="1937095"/>
             <a:chExt cx="815274" cy="523220"/>
@@ -17783,7 +17783,7 @@
         </p:blipFill>
         <p:spPr>
           <a:xfrm>
-            <a:off x="1436019" y="8739999"/>
+            <a:off x="1436019" y="8808892"/>
             <a:ext cx="782375" cy="782375"/>
           </a:xfrm>
           <a:prstGeom prst="rect">

--- a/misc/Menu Letter 8.5 by 11 on 12-12-24/1_Letter_DaBeast Services Menu.pptx
+++ b/misc/Menu Letter 8.5 by 11 on 12-12-24/1_Letter_DaBeast Services Menu.pptx
@@ -17191,7 +17191,7 @@
                 <a:cs typeface="Arial Narrow"/>
                 <a:sym typeface="Arial Narrow"/>
               </a:rPr>
-              <a:t>Guanabana ………………... </a:t>
+              <a:t>Guanabana …………….... </a:t>
             </a:r>
             <a:r>
               <a:rPr lang="en-US" sz="2000" b="1" dirty="0">

--- a/misc/Menu Letter 8.5 by 11 on 12-12-24/1_Letter_DaBeast Services Menu.pptx
+++ b/misc/Menu Letter 8.5 by 11 on 12-12-24/1_Letter_DaBeast Services Menu.pptx
@@ -15730,9 +15730,21 @@
                 <a:cs typeface="Arial Narrow"/>
                 <a:sym typeface="Arial Narrow"/>
               </a:rPr>
-              <a:t>      Made from the freshest plantains</a:t>
+              <a:t>      Made from the freshest </a:t>
             </a:r>
-            <a:endParaRPr sz="2000" b="0" i="1" u="none" strike="noStrike" cap="none" dirty="0">
+            <a:r>
+              <a:rPr lang="en-US" sz="1500" b="1" i="1" u="none" strike="noStrike" cap="none" dirty="0">
+                <a:solidFill>
+                  <a:schemeClr val="lt1"/>
+                </a:solidFill>
+                <a:latin typeface="Arial Narrow"/>
+                <a:ea typeface="Arial Narrow"/>
+                <a:cs typeface="Arial Narrow"/>
+                <a:sym typeface="Arial Narrow"/>
+              </a:rPr>
+              <a:t>plantains</a:t>
+            </a:r>
+            <a:endParaRPr sz="2000" b="1" i="1" u="none" strike="noStrike" cap="none" dirty="0">
               <a:solidFill>
                 <a:schemeClr val="lt1"/>
               </a:solidFill>
@@ -15942,9 +15954,45 @@
                 <a:cs typeface="Arial Narrow"/>
                 <a:sym typeface="Arial Narrow"/>
               </a:rPr>
-              <a:t>Fried cheese w/ guava marmalade</a:t>
+              <a:t>Fried </a:t>
             </a:r>
-            <a:endParaRPr lang="en-US" sz="1500" b="0" i="0" u="none" strike="noStrike" cap="none" dirty="0">
+            <a:r>
+              <a:rPr lang="en-US" sz="1500" b="1" i="1" u="none" strike="noStrike" cap="none" dirty="0">
+                <a:solidFill>
+                  <a:schemeClr val="lt1"/>
+                </a:solidFill>
+                <a:latin typeface="Arial Narrow"/>
+                <a:ea typeface="Arial Narrow"/>
+                <a:cs typeface="Arial Narrow"/>
+                <a:sym typeface="Arial Narrow"/>
+              </a:rPr>
+              <a:t>cheese</a:t>
+            </a:r>
+            <a:r>
+              <a:rPr lang="en-US" sz="1500" b="0" i="1" u="none" strike="noStrike" cap="none" dirty="0">
+                <a:solidFill>
+                  <a:schemeClr val="lt1"/>
+                </a:solidFill>
+                <a:latin typeface="Arial Narrow"/>
+                <a:ea typeface="Arial Narrow"/>
+                <a:cs typeface="Arial Narrow"/>
+                <a:sym typeface="Arial Narrow"/>
+              </a:rPr>
+              <a:t> w/ </a:t>
+            </a:r>
+            <a:r>
+              <a:rPr lang="en-US" sz="1500" b="1" i="1" u="none" strike="noStrike" cap="none" dirty="0">
+                <a:solidFill>
+                  <a:schemeClr val="lt1"/>
+                </a:solidFill>
+                <a:latin typeface="Arial Narrow"/>
+                <a:ea typeface="Arial Narrow"/>
+                <a:cs typeface="Arial Narrow"/>
+                <a:sym typeface="Arial Narrow"/>
+              </a:rPr>
+              <a:t>guava marmalade</a:t>
+            </a:r>
+            <a:endParaRPr lang="en-US" sz="1500" b="1" i="0" u="none" strike="noStrike" cap="none" dirty="0">
               <a:solidFill>
                 <a:srgbClr val="000000"/>
               </a:solidFill>
@@ -16126,7 +16174,7 @@
               <a:t>	</a:t>
             </a:r>
             <a:r>
-              <a:rPr lang="en-US" sz="1500" b="0" i="1" u="none" strike="noStrike" cap="none" dirty="0">
+              <a:rPr lang="en-US" sz="1500" b="1" i="1" u="none" strike="noStrike" cap="none" dirty="0">
                 <a:solidFill>
                   <a:schemeClr val="lt1"/>
                 </a:solidFill>
@@ -16135,9 +16183,57 @@
                 <a:cs typeface="Arial Narrow"/>
                 <a:sym typeface="Arial Narrow"/>
               </a:rPr>
-              <a:t>Rice, beans w/ smoked chicken</a:t>
+              <a:t>Rice</a:t>
             </a:r>
-            <a:endParaRPr sz="1500" b="0" i="1" u="none" strike="noStrike" cap="none" dirty="0">
+            <a:r>
+              <a:rPr lang="en-US" sz="1500" b="0" i="1" u="none" strike="noStrike" cap="none" dirty="0">
+                <a:solidFill>
+                  <a:schemeClr val="lt1"/>
+                </a:solidFill>
+                <a:latin typeface="Arial Narrow"/>
+                <a:ea typeface="Arial Narrow"/>
+                <a:cs typeface="Arial Narrow"/>
+                <a:sym typeface="Arial Narrow"/>
+              </a:rPr>
+              <a:t>, </a:t>
+            </a:r>
+            <a:r>
+              <a:rPr lang="en-US" sz="1500" b="1" i="1" u="none" strike="noStrike" cap="none" dirty="0">
+                <a:solidFill>
+                  <a:schemeClr val="lt1"/>
+                </a:solidFill>
+                <a:latin typeface="Arial Narrow"/>
+                <a:ea typeface="Arial Narrow"/>
+                <a:cs typeface="Arial Narrow"/>
+                <a:sym typeface="Arial Narrow"/>
+              </a:rPr>
+              <a:t>beans</a:t>
+            </a:r>
+            <a:r>
+              <a:rPr lang="en-US" sz="1500" b="0" i="1" u="none" strike="noStrike" cap="none" dirty="0">
+                <a:solidFill>
+                  <a:schemeClr val="lt1"/>
+                </a:solidFill>
+                <a:latin typeface="Arial Narrow"/>
+                <a:ea typeface="Arial Narrow"/>
+                <a:cs typeface="Arial Narrow"/>
+                <a:sym typeface="Arial Narrow"/>
+              </a:rPr>
+              <a:t> w/ </a:t>
+            </a:r>
+            <a:r>
+              <a:rPr lang="en-US" sz="1500" b="1" i="1" u="none" strike="noStrike" cap="none" dirty="0">
+                <a:solidFill>
+                  <a:schemeClr val="lt1"/>
+                </a:solidFill>
+                <a:latin typeface="Arial Narrow"/>
+                <a:ea typeface="Arial Narrow"/>
+                <a:cs typeface="Arial Narrow"/>
+                <a:sym typeface="Arial Narrow"/>
+              </a:rPr>
+              <a:t>smoked chicken</a:t>
+            </a:r>
+            <a:endParaRPr sz="1500" b="1" i="1" u="none" strike="noStrike" cap="none" dirty="0">
               <a:solidFill>
                 <a:srgbClr val="000000"/>
               </a:solidFill>
@@ -16279,10 +16375,22 @@
                 <a:cs typeface="Arial Narrow"/>
                 <a:sym typeface="Arial Narrow"/>
               </a:rPr>
-              <a:t>Smoked chicken skewers</a:t>
+              <a:t>Smoked </a:t>
             </a:r>
             <a:r>
-              <a:rPr lang="en-US" sz="1500" b="0" i="0" u="none" strike="noStrike" cap="none" dirty="0">
+              <a:rPr lang="en-US" sz="1500" b="1" i="1" u="none" strike="noStrike" cap="none" dirty="0">
+                <a:solidFill>
+                  <a:schemeClr val="lt1"/>
+                </a:solidFill>
+                <a:latin typeface="Arial Narrow"/>
+                <a:ea typeface="Arial Narrow"/>
+                <a:cs typeface="Arial Narrow"/>
+                <a:sym typeface="Arial Narrow"/>
+              </a:rPr>
+              <a:t>chicken skewers</a:t>
+            </a:r>
+            <a:r>
+              <a:rPr lang="en-US" sz="1500" b="1" i="0" u="none" strike="noStrike" cap="none" dirty="0">
                 <a:solidFill>
                   <a:schemeClr val="lt1"/>
                 </a:solidFill>
@@ -16293,7 +16401,7 @@
               </a:rPr>
               <a:t>  </a:t>
             </a:r>
-            <a:endParaRPr sz="1500" b="0" i="0" u="none" strike="noStrike" cap="none" dirty="0">
+            <a:endParaRPr sz="1500" b="1" i="0" u="none" strike="noStrike" cap="none" dirty="0">
               <a:solidFill>
                 <a:srgbClr val="000000"/>
               </a:solidFill>
@@ -16461,7 +16569,7 @@
               <a:t>Sweet </a:t>
             </a:r>
             <a:r>
-              <a:rPr lang="en-US" sz="1500" b="0" i="1" u="none" strike="noStrike" cap="none" dirty="0" err="1">
+              <a:rPr lang="en-US" sz="1500" b="1" i="1" u="none" strike="noStrike" cap="none" dirty="0">
                 <a:solidFill>
                   <a:schemeClr val="lt1"/>
                 </a:solidFill>
@@ -16470,9 +16578,9 @@
                 <a:cs typeface="Arial Narrow"/>
                 <a:sym typeface="Arial Narrow"/>
               </a:rPr>
-              <a:t>plaintains</a:t>
+              <a:t>plantains</a:t>
             </a:r>
-            <a:endParaRPr sz="1500" b="0" i="1" u="none" strike="noStrike" cap="none" dirty="0">
+            <a:endParaRPr sz="1500" b="1" i="1" u="none" strike="noStrike" cap="none" dirty="0">
               <a:solidFill>
                 <a:schemeClr val="lt1"/>
               </a:solidFill>
@@ -16574,9 +16682,21 @@
                 <a:cs typeface="Arial Narrow"/>
                 <a:sym typeface="Arial Narrow"/>
               </a:rPr>
-              <a:t>         Crisped plantains</a:t>
+              <a:t>         Crisped </a:t>
             </a:r>
-            <a:endParaRPr lang="en-US" sz="1500" b="0" i="0" u="none" strike="noStrike" cap="none" dirty="0">
+            <a:r>
+              <a:rPr lang="en-US" sz="1500" b="1" i="1" u="none" strike="noStrike" cap="none" dirty="0">
+                <a:solidFill>
+                  <a:schemeClr val="lt1"/>
+                </a:solidFill>
+                <a:latin typeface="Arial Narrow"/>
+                <a:ea typeface="Arial Narrow"/>
+                <a:cs typeface="Arial Narrow"/>
+                <a:sym typeface="Arial Narrow"/>
+              </a:rPr>
+              <a:t>plantains</a:t>
+            </a:r>
+            <a:endParaRPr lang="en-US" sz="1500" b="1" i="0" u="none" strike="noStrike" cap="none" dirty="0">
               <a:solidFill>
                 <a:schemeClr val="lt1"/>
               </a:solidFill>
@@ -16941,19 +17061,31 @@
                 <a:cs typeface="Arial Narrow"/>
                 <a:sym typeface="Arial Narrow"/>
               </a:rPr>
-              <a:t>Fried Cheesecake Bites …. </a:t>
+              <a:t>Fried Cheesecake Bites </a:t>
             </a:r>
             <a:r>
-              <a:rPr lang="en-US" sz="2000" b="1" i="0" u="none" strike="noStrike" cap="none" dirty="0">
-                <a:solidFill>
-                  <a:srgbClr val="8CD872"/>
+              <a:rPr lang="en-US" sz="2000" b="0" i="0" u="none" strike="noStrike" cap="none">
+                <a:solidFill>
+                  <a:schemeClr val="lt1"/>
                 </a:solidFill>
                 <a:latin typeface="Arial Narrow"/>
                 <a:ea typeface="Arial Narrow"/>
                 <a:cs typeface="Arial Narrow"/>
                 <a:sym typeface="Arial Narrow"/>
               </a:rPr>
-              <a:t>6</a:t>
+              <a:t>…. </a:t>
+            </a:r>
+            <a:r>
+              <a:rPr lang="en-US" sz="2000" b="1" i="0" u="none" strike="noStrike" cap="none">
+                <a:solidFill>
+                  <a:srgbClr val="8CD872"/>
+                </a:solidFill>
+                <a:latin typeface="Arial Narrow"/>
+                <a:ea typeface="Arial Narrow"/>
+                <a:cs typeface="Arial Narrow"/>
+                <a:sym typeface="Arial Narrow"/>
+              </a:rPr>
+              <a:t>7</a:t>
             </a:r>
             <a:endParaRPr sz="1500" b="0" i="0" u="none" strike="noStrike" cap="none" dirty="0">
               <a:solidFill>
@@ -17381,10 +17513,10 @@
                 <a:cs typeface="Arial Narrow"/>
                 <a:sym typeface="Arial Narrow"/>
               </a:rPr>
-              <a:t>Gatorade, </a:t>
+              <a:t>Gatorade</a:t>
             </a:r>
             <a:r>
-              <a:rPr lang="en-US" sz="1500" b="0" i="1" u="none" strike="noStrike" cap="none" dirty="0" err="1">
+              <a:rPr lang="en-US" sz="1500" b="0" i="1" u="none" strike="noStrike" cap="none">
                 <a:solidFill>
                   <a:schemeClr val="lt1"/>
                 </a:solidFill>
@@ -17393,7 +17525,7 @@
                 <a:cs typeface="Arial Narrow"/>
                 <a:sym typeface="Arial Narrow"/>
               </a:rPr>
-              <a:t>Redbull</a:t>
+              <a:t>, Red Bull</a:t>
             </a:r>
             <a:r>
               <a:rPr lang="en-US" sz="1500" b="0" i="1" u="none" strike="noStrike" cap="none" dirty="0">

--- a/misc/Menu Letter 8.5 by 11 on 12-12-24/1_Letter_DaBeast Services Menu.pptx
+++ b/misc/Menu Letter 8.5 by 11 on 12-12-24/1_Letter_DaBeast Services Menu.pptx
@@ -21,7 +21,7 @@
       <p:boldItalic r:id="rId7"/>
     </p:embeddedFont>
     <p:embeddedFont>
-      <p:font typeface="Open Sans" panose="020B0604020202020204" charset="0"/>
+      <p:font typeface="Open Sans" panose="020B0606030504020204" pitchFamily="34" charset="0"/>
       <p:regular r:id="rId8"/>
       <p:bold r:id="rId9"/>
       <p:italic r:id="rId10"/>
@@ -15317,7 +15317,7 @@
         </p:nvSpPr>
         <p:spPr>
           <a:xfrm>
-            <a:off x="3968074" y="4401355"/>
+            <a:off x="3968074" y="4438933"/>
             <a:ext cx="3601200" cy="2248058"/>
           </a:xfrm>
           <a:prstGeom prst="roundRect">
@@ -15492,7 +15492,7 @@
         </p:nvSpPr>
         <p:spPr>
           <a:xfrm>
-            <a:off x="203126" y="1735751"/>
+            <a:off x="202991" y="1835959"/>
             <a:ext cx="3765300" cy="4165500"/>
           </a:xfrm>
           <a:prstGeom prst="rect">
@@ -15730,21 +15730,9 @@
                 <a:cs typeface="Arial Narrow"/>
                 <a:sym typeface="Arial Narrow"/>
               </a:rPr>
-              <a:t>      Made from the freshest </a:t>
+              <a:t>      Made from the freshest plantains</a:t>
             </a:r>
-            <a:r>
-              <a:rPr lang="en-US" sz="1500" b="1" i="1" u="none" strike="noStrike" cap="none" dirty="0">
-                <a:solidFill>
-                  <a:schemeClr val="lt1"/>
-                </a:solidFill>
-                <a:latin typeface="Arial Narrow"/>
-                <a:ea typeface="Arial Narrow"/>
-                <a:cs typeface="Arial Narrow"/>
-                <a:sym typeface="Arial Narrow"/>
-              </a:rPr>
-              <a:t>plantains</a:t>
-            </a:r>
-            <a:endParaRPr sz="2000" b="1" i="1" u="none" strike="noStrike" cap="none" dirty="0">
+            <a:endParaRPr sz="2000" b="0" i="1" u="none" strike="noStrike" cap="none" dirty="0">
               <a:solidFill>
                 <a:schemeClr val="lt1"/>
               </a:solidFill>
@@ -15954,45 +15942,9 @@
                 <a:cs typeface="Arial Narrow"/>
                 <a:sym typeface="Arial Narrow"/>
               </a:rPr>
-              <a:t>Fried </a:t>
+              <a:t>Fried cheese w/ guava marmalade</a:t>
             </a:r>
-            <a:r>
-              <a:rPr lang="en-US" sz="1500" b="1" i="1" u="none" strike="noStrike" cap="none" dirty="0">
-                <a:solidFill>
-                  <a:schemeClr val="lt1"/>
-                </a:solidFill>
-                <a:latin typeface="Arial Narrow"/>
-                <a:ea typeface="Arial Narrow"/>
-                <a:cs typeface="Arial Narrow"/>
-                <a:sym typeface="Arial Narrow"/>
-              </a:rPr>
-              <a:t>cheese</a:t>
-            </a:r>
-            <a:r>
-              <a:rPr lang="en-US" sz="1500" b="0" i="1" u="none" strike="noStrike" cap="none" dirty="0">
-                <a:solidFill>
-                  <a:schemeClr val="lt1"/>
-                </a:solidFill>
-                <a:latin typeface="Arial Narrow"/>
-                <a:ea typeface="Arial Narrow"/>
-                <a:cs typeface="Arial Narrow"/>
-                <a:sym typeface="Arial Narrow"/>
-              </a:rPr>
-              <a:t> w/ </a:t>
-            </a:r>
-            <a:r>
-              <a:rPr lang="en-US" sz="1500" b="1" i="1" u="none" strike="noStrike" cap="none" dirty="0">
-                <a:solidFill>
-                  <a:schemeClr val="lt1"/>
-                </a:solidFill>
-                <a:latin typeface="Arial Narrow"/>
-                <a:ea typeface="Arial Narrow"/>
-                <a:cs typeface="Arial Narrow"/>
-                <a:sym typeface="Arial Narrow"/>
-              </a:rPr>
-              <a:t>guava marmalade</a:t>
-            </a:r>
-            <a:endParaRPr lang="en-US" sz="1500" b="1" i="0" u="none" strike="noStrike" cap="none" dirty="0">
+            <a:endParaRPr lang="en-US" sz="1500" b="0" i="0" u="none" strike="noStrike" cap="none" dirty="0">
               <a:solidFill>
                 <a:srgbClr val="000000"/>
               </a:solidFill>
@@ -16012,7 +15964,7 @@
         </p:nvSpPr>
         <p:spPr>
           <a:xfrm>
-            <a:off x="4035504" y="1773334"/>
+            <a:off x="4035369" y="1835964"/>
             <a:ext cx="3491700" cy="5626323"/>
           </a:xfrm>
           <a:prstGeom prst="rect">
@@ -16174,7 +16126,7 @@
               <a:t>	</a:t>
             </a:r>
             <a:r>
-              <a:rPr lang="en-US" sz="1500" b="1" i="1" u="none" strike="noStrike" cap="none" dirty="0">
+              <a:rPr lang="en-US" sz="1500" b="0" i="1" u="none" strike="noStrike" cap="none" dirty="0">
                 <a:solidFill>
                   <a:schemeClr val="lt1"/>
                 </a:solidFill>
@@ -16183,57 +16135,9 @@
                 <a:cs typeface="Arial Narrow"/>
                 <a:sym typeface="Arial Narrow"/>
               </a:rPr>
-              <a:t>Rice</a:t>
+              <a:t>Rice, beans w/ smoked chicken</a:t>
             </a:r>
-            <a:r>
-              <a:rPr lang="en-US" sz="1500" b="0" i="1" u="none" strike="noStrike" cap="none" dirty="0">
-                <a:solidFill>
-                  <a:schemeClr val="lt1"/>
-                </a:solidFill>
-                <a:latin typeface="Arial Narrow"/>
-                <a:ea typeface="Arial Narrow"/>
-                <a:cs typeface="Arial Narrow"/>
-                <a:sym typeface="Arial Narrow"/>
-              </a:rPr>
-              <a:t>, </a:t>
-            </a:r>
-            <a:r>
-              <a:rPr lang="en-US" sz="1500" b="1" i="1" u="none" strike="noStrike" cap="none" dirty="0">
-                <a:solidFill>
-                  <a:schemeClr val="lt1"/>
-                </a:solidFill>
-                <a:latin typeface="Arial Narrow"/>
-                <a:ea typeface="Arial Narrow"/>
-                <a:cs typeface="Arial Narrow"/>
-                <a:sym typeface="Arial Narrow"/>
-              </a:rPr>
-              <a:t>beans</a:t>
-            </a:r>
-            <a:r>
-              <a:rPr lang="en-US" sz="1500" b="0" i="1" u="none" strike="noStrike" cap="none" dirty="0">
-                <a:solidFill>
-                  <a:schemeClr val="lt1"/>
-                </a:solidFill>
-                <a:latin typeface="Arial Narrow"/>
-                <a:ea typeface="Arial Narrow"/>
-                <a:cs typeface="Arial Narrow"/>
-                <a:sym typeface="Arial Narrow"/>
-              </a:rPr>
-              <a:t> w/ </a:t>
-            </a:r>
-            <a:r>
-              <a:rPr lang="en-US" sz="1500" b="1" i="1" u="none" strike="noStrike" cap="none" dirty="0">
-                <a:solidFill>
-                  <a:schemeClr val="lt1"/>
-                </a:solidFill>
-                <a:latin typeface="Arial Narrow"/>
-                <a:ea typeface="Arial Narrow"/>
-                <a:cs typeface="Arial Narrow"/>
-                <a:sym typeface="Arial Narrow"/>
-              </a:rPr>
-              <a:t>smoked chicken</a:t>
-            </a:r>
-            <a:endParaRPr sz="1500" b="1" i="1" u="none" strike="noStrike" cap="none" dirty="0">
+            <a:endParaRPr sz="1500" b="0" i="1" u="none" strike="noStrike" cap="none" dirty="0">
               <a:solidFill>
                 <a:srgbClr val="000000"/>
               </a:solidFill>
@@ -16375,22 +16279,10 @@
                 <a:cs typeface="Arial Narrow"/>
                 <a:sym typeface="Arial Narrow"/>
               </a:rPr>
-              <a:t>Smoked </a:t>
+              <a:t>Smoked chicken skewers</a:t>
             </a:r>
             <a:r>
-              <a:rPr lang="en-US" sz="1500" b="1" i="1" u="none" strike="noStrike" cap="none" dirty="0">
-                <a:solidFill>
-                  <a:schemeClr val="lt1"/>
-                </a:solidFill>
-                <a:latin typeface="Arial Narrow"/>
-                <a:ea typeface="Arial Narrow"/>
-                <a:cs typeface="Arial Narrow"/>
-                <a:sym typeface="Arial Narrow"/>
-              </a:rPr>
-              <a:t>chicken skewers</a:t>
-            </a:r>
-            <a:r>
-              <a:rPr lang="en-US" sz="1500" b="1" i="0" u="none" strike="noStrike" cap="none" dirty="0">
+              <a:rPr lang="en-US" sz="1500" b="0" i="0" u="none" strike="noStrike" cap="none" dirty="0">
                 <a:solidFill>
                   <a:schemeClr val="lt1"/>
                 </a:solidFill>
@@ -16401,7 +16293,7 @@
               </a:rPr>
               <a:t>  </a:t>
             </a:r>
-            <a:endParaRPr sz="1500" b="1" i="0" u="none" strike="noStrike" cap="none" dirty="0">
+            <a:endParaRPr sz="1500" b="0" i="0" u="none" strike="noStrike" cap="none" dirty="0">
               <a:solidFill>
                 <a:srgbClr val="000000"/>
               </a:solidFill>
@@ -16569,7 +16461,7 @@
               <a:t>Sweet </a:t>
             </a:r>
             <a:r>
-              <a:rPr lang="en-US" sz="1500" b="1" i="1" u="none" strike="noStrike" cap="none" dirty="0">
+              <a:rPr lang="en-US" sz="1500" b="0" i="1" u="none" strike="noStrike" cap="none" dirty="0" err="1">
                 <a:solidFill>
                   <a:schemeClr val="lt1"/>
                 </a:solidFill>
@@ -16578,9 +16470,9 @@
                 <a:cs typeface="Arial Narrow"/>
                 <a:sym typeface="Arial Narrow"/>
               </a:rPr>
-              <a:t>plantains</a:t>
+              <a:t>plaintains</a:t>
             </a:r>
-            <a:endParaRPr sz="1500" b="1" i="1" u="none" strike="noStrike" cap="none" dirty="0">
+            <a:endParaRPr sz="1500" b="0" i="1" u="none" strike="noStrike" cap="none" dirty="0">
               <a:solidFill>
                 <a:schemeClr val="lt1"/>
               </a:solidFill>
@@ -16682,21 +16574,9 @@
                 <a:cs typeface="Arial Narrow"/>
                 <a:sym typeface="Arial Narrow"/>
               </a:rPr>
-              <a:t>         Crisped </a:t>
+              <a:t>         Crisped plantains</a:t>
             </a:r>
-            <a:r>
-              <a:rPr lang="en-US" sz="1500" b="1" i="1" u="none" strike="noStrike" cap="none" dirty="0">
-                <a:solidFill>
-                  <a:schemeClr val="lt1"/>
-                </a:solidFill>
-                <a:latin typeface="Arial Narrow"/>
-                <a:ea typeface="Arial Narrow"/>
-                <a:cs typeface="Arial Narrow"/>
-                <a:sym typeface="Arial Narrow"/>
-              </a:rPr>
-              <a:t>plantains</a:t>
-            </a:r>
-            <a:endParaRPr lang="en-US" sz="1500" b="1" i="0" u="none" strike="noStrike" cap="none" dirty="0">
+            <a:endParaRPr lang="en-US" sz="1500" b="0" i="0" u="none" strike="noStrike" cap="none" dirty="0">
               <a:solidFill>
                 <a:schemeClr val="lt1"/>
               </a:solidFill>
@@ -16897,7 +16777,7 @@
         </p:nvSpPr>
         <p:spPr>
           <a:xfrm>
-            <a:off x="348115" y="6598074"/>
+            <a:off x="348115" y="6579285"/>
             <a:ext cx="3620100" cy="2179800"/>
           </a:xfrm>
           <a:prstGeom prst="rect">
@@ -17061,31 +16941,19 @@
                 <a:cs typeface="Arial Narrow"/>
                 <a:sym typeface="Arial Narrow"/>
               </a:rPr>
-              <a:t>Fried Cheesecake Bites </a:t>
+              <a:t>Fried Cheesecake Bites …. </a:t>
             </a:r>
             <a:r>
-              <a:rPr lang="en-US" sz="2000" b="0" i="0" u="none" strike="noStrike" cap="none">
-                <a:solidFill>
-                  <a:schemeClr val="lt1"/>
+              <a:rPr lang="en-US" sz="2000" b="1" i="0" u="none" strike="noStrike" cap="none" dirty="0">
+                <a:solidFill>
+                  <a:srgbClr val="8CD872"/>
                 </a:solidFill>
                 <a:latin typeface="Arial Narrow"/>
                 <a:ea typeface="Arial Narrow"/>
                 <a:cs typeface="Arial Narrow"/>
                 <a:sym typeface="Arial Narrow"/>
               </a:rPr>
-              <a:t>…. </a:t>
-            </a:r>
-            <a:r>
-              <a:rPr lang="en-US" sz="2000" b="1" i="0" u="none" strike="noStrike" cap="none">
-                <a:solidFill>
-                  <a:srgbClr val="8CD872"/>
-                </a:solidFill>
-                <a:latin typeface="Arial Narrow"/>
-                <a:ea typeface="Arial Narrow"/>
-                <a:cs typeface="Arial Narrow"/>
-                <a:sym typeface="Arial Narrow"/>
-              </a:rPr>
-              <a:t>7</a:t>
+              <a:t>6</a:t>
             </a:r>
             <a:endParaRPr sz="1500" b="0" i="0" u="none" strike="noStrike" cap="none" dirty="0">
               <a:solidFill>
@@ -17159,7 +17027,7 @@
         </p:nvCxnSpPr>
         <p:spPr>
           <a:xfrm>
-            <a:off x="176323" y="2490439"/>
+            <a:off x="176323" y="2528017"/>
             <a:ext cx="7350900" cy="0"/>
           </a:xfrm>
           <a:prstGeom prst="straightConnector1">
@@ -17211,8 +17079,8 @@
         </p:nvSpPr>
         <p:spPr>
           <a:xfrm>
-            <a:off x="4043496" y="6598068"/>
-            <a:ext cx="3491700" cy="3179500"/>
+            <a:off x="4043496" y="6579279"/>
+            <a:ext cx="3491700" cy="3025611"/>
           </a:xfrm>
           <a:prstGeom prst="rect">
             <a:avLst/>
@@ -17323,7 +17191,7 @@
                 <a:cs typeface="Arial Narrow"/>
                 <a:sym typeface="Arial Narrow"/>
               </a:rPr>
-              <a:t>Guanabana …………….... </a:t>
+              <a:t>Guanabana ………………... </a:t>
             </a:r>
             <a:r>
               <a:rPr lang="en-US" sz="2000" b="1" dirty="0">
@@ -17412,17 +17280,23 @@
               </a:rPr>
               <a:t>☺</a:t>
             </a:r>
-            <a:br>
-              <a:rPr lang="en-US" sz="1500" b="0" i="0" u="none" strike="noStrike" cap="none" dirty="0">
-                <a:solidFill>
-                  <a:schemeClr val="lt1"/>
-                </a:solidFill>
-                <a:latin typeface="Arial Narrow"/>
-                <a:ea typeface="Arial Narrow"/>
-                <a:cs typeface="Arial Narrow"/>
-                <a:sym typeface="Arial Narrow"/>
-              </a:rPr>
-            </a:br>
+          </a:p>
+          <a:p>
+            <a:pPr marL="654050" marR="0" lvl="1" algn="l" rtl="0">
+              <a:lnSpc>
+                <a:spcPct val="100000"/>
+              </a:lnSpc>
+              <a:spcBef>
+                <a:spcPts val="0"/>
+              </a:spcBef>
+              <a:spcAft>
+                <a:spcPts val="0"/>
+              </a:spcAft>
+              <a:buClr>
+                <a:schemeClr val="lt1"/>
+              </a:buClr>
+              <a:buSzPts val="1500"/>
+            </a:pPr>
             <a:endParaRPr sz="2000" b="0" i="0" u="none" strike="noStrike" cap="none" dirty="0">
               <a:solidFill>
                 <a:schemeClr val="lt1"/>
@@ -17475,18 +17349,9 @@
               </a:rPr>
               <a:t>3</a:t>
             </a:r>
-            <a:endParaRPr lang="en-US" sz="1500" b="0" i="0" u="none" strike="noStrike" cap="none" dirty="0">
-              <a:solidFill>
-                <a:srgbClr val="000000"/>
-              </a:solidFill>
-              <a:latin typeface="Arial"/>
-              <a:ea typeface="Arial"/>
-              <a:cs typeface="Arial"/>
-              <a:sym typeface="Arial"/>
-            </a:endParaRPr>
           </a:p>
           <a:p>
-            <a:pPr marL="1003300" marR="0" lvl="1" indent="-349250" algn="l" rtl="0">
+            <a:pPr marR="0" lvl="0" algn="l" rtl="0">
               <a:lnSpc>
                 <a:spcPct val="100000"/>
               </a:lnSpc>
@@ -17499,69 +17364,8 @@
               <a:buClr>
                 <a:schemeClr val="lt1"/>
               </a:buClr>
-              <a:buSzPts val="1500"/>
-              <a:buFont typeface="Arial Narrow"/>
-              <a:buChar char="○"/>
+              <a:buSzPts val="2000"/>
             </a:pPr>
-            <a:r>
-              <a:rPr lang="en-US" sz="1500" b="0" i="1" u="none" strike="noStrike" cap="none" dirty="0">
-                <a:solidFill>
-                  <a:schemeClr val="lt1"/>
-                </a:solidFill>
-                <a:latin typeface="Arial Narrow"/>
-                <a:ea typeface="Arial Narrow"/>
-                <a:cs typeface="Arial Narrow"/>
-                <a:sym typeface="Arial Narrow"/>
-              </a:rPr>
-              <a:t>Gatorade</a:t>
-            </a:r>
-            <a:r>
-              <a:rPr lang="en-US" sz="1500" b="0" i="1" u="none" strike="noStrike" cap="none">
-                <a:solidFill>
-                  <a:schemeClr val="lt1"/>
-                </a:solidFill>
-                <a:latin typeface="Arial Narrow"/>
-                <a:ea typeface="Arial Narrow"/>
-                <a:cs typeface="Arial Narrow"/>
-                <a:sym typeface="Arial Narrow"/>
-              </a:rPr>
-              <a:t>, Red Bull</a:t>
-            </a:r>
-            <a:r>
-              <a:rPr lang="en-US" sz="1500" b="0" i="1" u="none" strike="noStrike" cap="none" dirty="0">
-                <a:solidFill>
-                  <a:schemeClr val="lt1"/>
-                </a:solidFill>
-                <a:latin typeface="Arial Narrow"/>
-                <a:ea typeface="Arial Narrow"/>
-                <a:cs typeface="Arial Narrow"/>
-                <a:sym typeface="Arial Narrow"/>
-              </a:rPr>
-              <a:t>, Coke,</a:t>
-            </a:r>
-            <a:br>
-              <a:rPr lang="en-US" sz="1500" b="0" i="1" u="none" strike="noStrike" cap="none" dirty="0">
-                <a:solidFill>
-                  <a:schemeClr val="lt1"/>
-                </a:solidFill>
-                <a:latin typeface="Arial Narrow"/>
-                <a:ea typeface="Arial Narrow"/>
-                <a:cs typeface="Arial Narrow"/>
-                <a:sym typeface="Arial Narrow"/>
-              </a:rPr>
-            </a:br>
-            <a:r>
-              <a:rPr lang="en-US" sz="1500" b="0" i="1" u="none" strike="noStrike" cap="none" dirty="0">
-                <a:solidFill>
-                  <a:schemeClr val="lt1"/>
-                </a:solidFill>
-                <a:latin typeface="Arial Narrow"/>
-                <a:ea typeface="Arial Narrow"/>
-                <a:cs typeface="Arial Narrow"/>
-                <a:sym typeface="Arial Narrow"/>
-              </a:rPr>
-              <a:t>Sprite, Fanta, Iced Tea, etc.</a:t>
-            </a:r>
             <a:endParaRPr sz="2000" b="0" i="0" u="none" strike="noStrike" cap="none" dirty="0">
               <a:solidFill>
                 <a:schemeClr val="lt1"/>
@@ -17634,7 +17438,7 @@
         </p:nvSpPr>
         <p:spPr>
           <a:xfrm>
-            <a:off x="170226" y="9591846"/>
+            <a:off x="170226" y="9560531"/>
             <a:ext cx="3438300" cy="378900"/>
           </a:xfrm>
           <a:prstGeom prst="rect">
@@ -17782,7 +17586,7 @@
         </p:nvGrpSpPr>
         <p:grpSpPr>
           <a:xfrm>
-            <a:off x="2518410" y="1873759"/>
+            <a:off x="2518410" y="1911337"/>
             <a:ext cx="815274" cy="523220"/>
             <a:chOff x="2415540" y="1937095"/>
             <a:chExt cx="815274" cy="523220"/>
@@ -17915,7 +17719,7 @@
         </p:blipFill>
         <p:spPr>
           <a:xfrm>
-            <a:off x="1436019" y="8808892"/>
+            <a:off x="1436019" y="8739999"/>
             <a:ext cx="782375" cy="782375"/>
           </a:xfrm>
           <a:prstGeom prst="rect">

--- a/misc/Menu Letter 8.5 by 11 on 12-12-24/1_Letter_DaBeast Services Menu.pptx
+++ b/misc/Menu Letter 8.5 by 11 on 12-12-24/1_Letter_DaBeast Services Menu.pptx
@@ -21,7 +21,7 @@
       <p:boldItalic r:id="rId7"/>
     </p:embeddedFont>
     <p:embeddedFont>
-      <p:font typeface="Open Sans" panose="020B0606030504020204" pitchFamily="34" charset="0"/>
+      <p:font typeface="Open Sans" panose="020B0604020202020204" charset="0"/>
       <p:regular r:id="rId8"/>
       <p:bold r:id="rId9"/>
       <p:italic r:id="rId10"/>
@@ -15317,7 +15317,7 @@
         </p:nvSpPr>
         <p:spPr>
           <a:xfrm>
-            <a:off x="3968074" y="4438933"/>
+            <a:off x="3968074" y="4401355"/>
             <a:ext cx="3601200" cy="2248058"/>
           </a:xfrm>
           <a:prstGeom prst="roundRect">
@@ -15492,7 +15492,7 @@
         </p:nvSpPr>
         <p:spPr>
           <a:xfrm>
-            <a:off x="202991" y="1835959"/>
+            <a:off x="203126" y="1735751"/>
             <a:ext cx="3765300" cy="4165500"/>
           </a:xfrm>
           <a:prstGeom prst="rect">
@@ -15730,9 +15730,21 @@
                 <a:cs typeface="Arial Narrow"/>
                 <a:sym typeface="Arial Narrow"/>
               </a:rPr>
-              <a:t>      Made from the freshest plantains</a:t>
+              <a:t>      Made from the freshest </a:t>
             </a:r>
-            <a:endParaRPr sz="2000" b="0" i="1" u="none" strike="noStrike" cap="none" dirty="0">
+            <a:r>
+              <a:rPr lang="en-US" sz="1500" b="1" i="1" u="none" strike="noStrike" cap="none" dirty="0">
+                <a:solidFill>
+                  <a:schemeClr val="lt1"/>
+                </a:solidFill>
+                <a:latin typeface="Arial Narrow"/>
+                <a:ea typeface="Arial Narrow"/>
+                <a:cs typeface="Arial Narrow"/>
+                <a:sym typeface="Arial Narrow"/>
+              </a:rPr>
+              <a:t>plantains</a:t>
+            </a:r>
+            <a:endParaRPr sz="2000" b="1" i="1" u="none" strike="noStrike" cap="none" dirty="0">
               <a:solidFill>
                 <a:schemeClr val="lt1"/>
               </a:solidFill>
@@ -15942,9 +15954,45 @@
                 <a:cs typeface="Arial Narrow"/>
                 <a:sym typeface="Arial Narrow"/>
               </a:rPr>
-              <a:t>Fried cheese w/ guava marmalade</a:t>
+              <a:t>Fried </a:t>
             </a:r>
-            <a:endParaRPr lang="en-US" sz="1500" b="0" i="0" u="none" strike="noStrike" cap="none" dirty="0">
+            <a:r>
+              <a:rPr lang="en-US" sz="1500" b="1" i="1" u="none" strike="noStrike" cap="none" dirty="0">
+                <a:solidFill>
+                  <a:schemeClr val="lt1"/>
+                </a:solidFill>
+                <a:latin typeface="Arial Narrow"/>
+                <a:ea typeface="Arial Narrow"/>
+                <a:cs typeface="Arial Narrow"/>
+                <a:sym typeface="Arial Narrow"/>
+              </a:rPr>
+              <a:t>cheese</a:t>
+            </a:r>
+            <a:r>
+              <a:rPr lang="en-US" sz="1500" b="0" i="1" u="none" strike="noStrike" cap="none" dirty="0">
+                <a:solidFill>
+                  <a:schemeClr val="lt1"/>
+                </a:solidFill>
+                <a:latin typeface="Arial Narrow"/>
+                <a:ea typeface="Arial Narrow"/>
+                <a:cs typeface="Arial Narrow"/>
+                <a:sym typeface="Arial Narrow"/>
+              </a:rPr>
+              <a:t> w/ </a:t>
+            </a:r>
+            <a:r>
+              <a:rPr lang="en-US" sz="1500" b="1" i="1" u="none" strike="noStrike" cap="none" dirty="0">
+                <a:solidFill>
+                  <a:schemeClr val="lt1"/>
+                </a:solidFill>
+                <a:latin typeface="Arial Narrow"/>
+                <a:ea typeface="Arial Narrow"/>
+                <a:cs typeface="Arial Narrow"/>
+                <a:sym typeface="Arial Narrow"/>
+              </a:rPr>
+              <a:t>guava marmalade</a:t>
+            </a:r>
+            <a:endParaRPr lang="en-US" sz="1500" b="1" i="0" u="none" strike="noStrike" cap="none" dirty="0">
               <a:solidFill>
                 <a:srgbClr val="000000"/>
               </a:solidFill>
@@ -15964,7 +16012,7 @@
         </p:nvSpPr>
         <p:spPr>
           <a:xfrm>
-            <a:off x="4035369" y="1835964"/>
+            <a:off x="4035504" y="1773334"/>
             <a:ext cx="3491700" cy="5626323"/>
           </a:xfrm>
           <a:prstGeom prst="rect">
@@ -16126,7 +16174,7 @@
               <a:t>	</a:t>
             </a:r>
             <a:r>
-              <a:rPr lang="en-US" sz="1500" b="0" i="1" u="none" strike="noStrike" cap="none" dirty="0">
+              <a:rPr lang="en-US" sz="1500" b="1" i="1" u="none" strike="noStrike" cap="none" dirty="0">
                 <a:solidFill>
                   <a:schemeClr val="lt1"/>
                 </a:solidFill>
@@ -16135,9 +16183,57 @@
                 <a:cs typeface="Arial Narrow"/>
                 <a:sym typeface="Arial Narrow"/>
               </a:rPr>
-              <a:t>Rice, beans w/ smoked chicken</a:t>
+              <a:t>Rice</a:t>
             </a:r>
-            <a:endParaRPr sz="1500" b="0" i="1" u="none" strike="noStrike" cap="none" dirty="0">
+            <a:r>
+              <a:rPr lang="en-US" sz="1500" b="0" i="1" u="none" strike="noStrike" cap="none" dirty="0">
+                <a:solidFill>
+                  <a:schemeClr val="lt1"/>
+                </a:solidFill>
+                <a:latin typeface="Arial Narrow"/>
+                <a:ea typeface="Arial Narrow"/>
+                <a:cs typeface="Arial Narrow"/>
+                <a:sym typeface="Arial Narrow"/>
+              </a:rPr>
+              <a:t>, </a:t>
+            </a:r>
+            <a:r>
+              <a:rPr lang="en-US" sz="1500" b="1" i="1" u="none" strike="noStrike" cap="none" dirty="0">
+                <a:solidFill>
+                  <a:schemeClr val="lt1"/>
+                </a:solidFill>
+                <a:latin typeface="Arial Narrow"/>
+                <a:ea typeface="Arial Narrow"/>
+                <a:cs typeface="Arial Narrow"/>
+                <a:sym typeface="Arial Narrow"/>
+              </a:rPr>
+              <a:t>beans</a:t>
+            </a:r>
+            <a:r>
+              <a:rPr lang="en-US" sz="1500" b="0" i="1" u="none" strike="noStrike" cap="none" dirty="0">
+                <a:solidFill>
+                  <a:schemeClr val="lt1"/>
+                </a:solidFill>
+                <a:latin typeface="Arial Narrow"/>
+                <a:ea typeface="Arial Narrow"/>
+                <a:cs typeface="Arial Narrow"/>
+                <a:sym typeface="Arial Narrow"/>
+              </a:rPr>
+              <a:t> w/ </a:t>
+            </a:r>
+            <a:r>
+              <a:rPr lang="en-US" sz="1500" b="1" i="1" u="none" strike="noStrike" cap="none" dirty="0">
+                <a:solidFill>
+                  <a:schemeClr val="lt1"/>
+                </a:solidFill>
+                <a:latin typeface="Arial Narrow"/>
+                <a:ea typeface="Arial Narrow"/>
+                <a:cs typeface="Arial Narrow"/>
+                <a:sym typeface="Arial Narrow"/>
+              </a:rPr>
+              <a:t>smoked chicken</a:t>
+            </a:r>
+            <a:endParaRPr sz="1500" b="1" i="1" u="none" strike="noStrike" cap="none" dirty="0">
               <a:solidFill>
                 <a:srgbClr val="000000"/>
               </a:solidFill>
@@ -16279,10 +16375,22 @@
                 <a:cs typeface="Arial Narrow"/>
                 <a:sym typeface="Arial Narrow"/>
               </a:rPr>
-              <a:t>Smoked chicken skewers</a:t>
+              <a:t>Smoked </a:t>
             </a:r>
             <a:r>
-              <a:rPr lang="en-US" sz="1500" b="0" i="0" u="none" strike="noStrike" cap="none" dirty="0">
+              <a:rPr lang="en-US" sz="1500" b="1" i="1" u="none" strike="noStrike" cap="none" dirty="0">
+                <a:solidFill>
+                  <a:schemeClr val="lt1"/>
+                </a:solidFill>
+                <a:latin typeface="Arial Narrow"/>
+                <a:ea typeface="Arial Narrow"/>
+                <a:cs typeface="Arial Narrow"/>
+                <a:sym typeface="Arial Narrow"/>
+              </a:rPr>
+              <a:t>chicken skewers</a:t>
+            </a:r>
+            <a:r>
+              <a:rPr lang="en-US" sz="1500" b="1" i="0" u="none" strike="noStrike" cap="none" dirty="0">
                 <a:solidFill>
                   <a:schemeClr val="lt1"/>
                 </a:solidFill>
@@ -16293,7 +16401,7 @@
               </a:rPr>
               <a:t>  </a:t>
             </a:r>
-            <a:endParaRPr sz="1500" b="0" i="0" u="none" strike="noStrike" cap="none" dirty="0">
+            <a:endParaRPr sz="1500" b="1" i="0" u="none" strike="noStrike" cap="none" dirty="0">
               <a:solidFill>
                 <a:srgbClr val="000000"/>
               </a:solidFill>
@@ -16461,7 +16569,7 @@
               <a:t>Sweet </a:t>
             </a:r>
             <a:r>
-              <a:rPr lang="en-US" sz="1500" b="0" i="1" u="none" strike="noStrike" cap="none" dirty="0" err="1">
+              <a:rPr lang="en-US" sz="1500" b="1" i="1" u="none" strike="noStrike" cap="none" dirty="0">
                 <a:solidFill>
                   <a:schemeClr val="lt1"/>
                 </a:solidFill>
@@ -16470,9 +16578,9 @@
                 <a:cs typeface="Arial Narrow"/>
                 <a:sym typeface="Arial Narrow"/>
               </a:rPr>
-              <a:t>plaintains</a:t>
+              <a:t>plantains</a:t>
             </a:r>
-            <a:endParaRPr sz="1500" b="0" i="1" u="none" strike="noStrike" cap="none" dirty="0">
+            <a:endParaRPr sz="1500" b="1" i="1" u="none" strike="noStrike" cap="none" dirty="0">
               <a:solidFill>
                 <a:schemeClr val="lt1"/>
               </a:solidFill>
@@ -16574,9 +16682,21 @@
                 <a:cs typeface="Arial Narrow"/>
                 <a:sym typeface="Arial Narrow"/>
               </a:rPr>
-              <a:t>         Crisped plantains</a:t>
+              <a:t>         Crisped </a:t>
             </a:r>
-            <a:endParaRPr lang="en-US" sz="1500" b="0" i="0" u="none" strike="noStrike" cap="none" dirty="0">
+            <a:r>
+              <a:rPr lang="en-US" sz="1500" b="1" i="1" u="none" strike="noStrike" cap="none" dirty="0">
+                <a:solidFill>
+                  <a:schemeClr val="lt1"/>
+                </a:solidFill>
+                <a:latin typeface="Arial Narrow"/>
+                <a:ea typeface="Arial Narrow"/>
+                <a:cs typeface="Arial Narrow"/>
+                <a:sym typeface="Arial Narrow"/>
+              </a:rPr>
+              <a:t>plantains</a:t>
+            </a:r>
+            <a:endParaRPr lang="en-US" sz="1500" b="1" i="0" u="none" strike="noStrike" cap="none" dirty="0">
               <a:solidFill>
                 <a:schemeClr val="lt1"/>
               </a:solidFill>
@@ -16777,7 +16897,7 @@
         </p:nvSpPr>
         <p:spPr>
           <a:xfrm>
-            <a:off x="348115" y="6579285"/>
+            <a:off x="348115" y="6598074"/>
             <a:ext cx="3620100" cy="2179800"/>
           </a:xfrm>
           <a:prstGeom prst="rect">
@@ -16941,19 +17061,31 @@
                 <a:cs typeface="Arial Narrow"/>
                 <a:sym typeface="Arial Narrow"/>
               </a:rPr>
-              <a:t>Fried Cheesecake Bites …. </a:t>
+              <a:t>Fried Cheesecake Bites </a:t>
             </a:r>
             <a:r>
-              <a:rPr lang="en-US" sz="2000" b="1" i="0" u="none" strike="noStrike" cap="none" dirty="0">
-                <a:solidFill>
-                  <a:srgbClr val="8CD872"/>
+              <a:rPr lang="en-US" sz="2000" b="0" i="0" u="none" strike="noStrike" cap="none">
+                <a:solidFill>
+                  <a:schemeClr val="lt1"/>
                 </a:solidFill>
                 <a:latin typeface="Arial Narrow"/>
                 <a:ea typeface="Arial Narrow"/>
                 <a:cs typeface="Arial Narrow"/>
                 <a:sym typeface="Arial Narrow"/>
               </a:rPr>
-              <a:t>6</a:t>
+              <a:t>…. </a:t>
+            </a:r>
+            <a:r>
+              <a:rPr lang="en-US" sz="2000" b="1" i="0" u="none" strike="noStrike" cap="none">
+                <a:solidFill>
+                  <a:srgbClr val="8CD872"/>
+                </a:solidFill>
+                <a:latin typeface="Arial Narrow"/>
+                <a:ea typeface="Arial Narrow"/>
+                <a:cs typeface="Arial Narrow"/>
+                <a:sym typeface="Arial Narrow"/>
+              </a:rPr>
+              <a:t>7</a:t>
             </a:r>
             <a:endParaRPr sz="1500" b="0" i="0" u="none" strike="noStrike" cap="none" dirty="0">
               <a:solidFill>
@@ -17027,7 +17159,7 @@
         </p:nvCxnSpPr>
         <p:spPr>
           <a:xfrm>
-            <a:off x="176323" y="2528017"/>
+            <a:off x="176323" y="2490439"/>
             <a:ext cx="7350900" cy="0"/>
           </a:xfrm>
           <a:prstGeom prst="straightConnector1">
@@ -17079,8 +17211,8 @@
         </p:nvSpPr>
         <p:spPr>
           <a:xfrm>
-            <a:off x="4043496" y="6579279"/>
-            <a:ext cx="3491700" cy="3025611"/>
+            <a:off x="4043496" y="6598068"/>
+            <a:ext cx="3491700" cy="3179500"/>
           </a:xfrm>
           <a:prstGeom prst="rect">
             <a:avLst/>
@@ -17191,7 +17323,7 @@
                 <a:cs typeface="Arial Narrow"/>
                 <a:sym typeface="Arial Narrow"/>
               </a:rPr>
-              <a:t>Guanabana ………………... </a:t>
+              <a:t>Guanabana …………….... </a:t>
             </a:r>
             <a:r>
               <a:rPr lang="en-US" sz="2000" b="1" dirty="0">
@@ -17280,23 +17412,17 @@
               </a:rPr>
               <a:t>☺</a:t>
             </a:r>
-          </a:p>
-          <a:p>
-            <a:pPr marL="654050" marR="0" lvl="1" algn="l" rtl="0">
-              <a:lnSpc>
-                <a:spcPct val="100000"/>
-              </a:lnSpc>
-              <a:spcBef>
-                <a:spcPts val="0"/>
-              </a:spcBef>
-              <a:spcAft>
-                <a:spcPts val="0"/>
-              </a:spcAft>
-              <a:buClr>
-                <a:schemeClr val="lt1"/>
-              </a:buClr>
-              <a:buSzPts val="1500"/>
-            </a:pPr>
+            <a:br>
+              <a:rPr lang="en-US" sz="1500" b="0" i="0" u="none" strike="noStrike" cap="none" dirty="0">
+                <a:solidFill>
+                  <a:schemeClr val="lt1"/>
+                </a:solidFill>
+                <a:latin typeface="Arial Narrow"/>
+                <a:ea typeface="Arial Narrow"/>
+                <a:cs typeface="Arial Narrow"/>
+                <a:sym typeface="Arial Narrow"/>
+              </a:rPr>
+            </a:br>
             <a:endParaRPr sz="2000" b="0" i="0" u="none" strike="noStrike" cap="none" dirty="0">
               <a:solidFill>
                 <a:schemeClr val="lt1"/>
@@ -17349,9 +17475,18 @@
               </a:rPr>
               <a:t>3</a:t>
             </a:r>
+            <a:endParaRPr lang="en-US" sz="1500" b="0" i="0" u="none" strike="noStrike" cap="none" dirty="0">
+              <a:solidFill>
+                <a:srgbClr val="000000"/>
+              </a:solidFill>
+              <a:latin typeface="Arial"/>
+              <a:ea typeface="Arial"/>
+              <a:cs typeface="Arial"/>
+              <a:sym typeface="Arial"/>
+            </a:endParaRPr>
           </a:p>
           <a:p>
-            <a:pPr marR="0" lvl="0" algn="l" rtl="0">
+            <a:pPr marL="1003300" marR="0" lvl="1" indent="-349250" algn="l" rtl="0">
               <a:lnSpc>
                 <a:spcPct val="100000"/>
               </a:lnSpc>
@@ -17364,8 +17499,69 @@
               <a:buClr>
                 <a:schemeClr val="lt1"/>
               </a:buClr>
-              <a:buSzPts val="2000"/>
+              <a:buSzPts val="1500"/>
+              <a:buFont typeface="Arial Narrow"/>
+              <a:buChar char="○"/>
             </a:pPr>
+            <a:r>
+              <a:rPr lang="en-US" sz="1500" b="0" i="1" u="none" strike="noStrike" cap="none" dirty="0">
+                <a:solidFill>
+                  <a:schemeClr val="lt1"/>
+                </a:solidFill>
+                <a:latin typeface="Arial Narrow"/>
+                <a:ea typeface="Arial Narrow"/>
+                <a:cs typeface="Arial Narrow"/>
+                <a:sym typeface="Arial Narrow"/>
+              </a:rPr>
+              <a:t>Gatorade</a:t>
+            </a:r>
+            <a:r>
+              <a:rPr lang="en-US" sz="1500" b="0" i="1" u="none" strike="noStrike" cap="none">
+                <a:solidFill>
+                  <a:schemeClr val="lt1"/>
+                </a:solidFill>
+                <a:latin typeface="Arial Narrow"/>
+                <a:ea typeface="Arial Narrow"/>
+                <a:cs typeface="Arial Narrow"/>
+                <a:sym typeface="Arial Narrow"/>
+              </a:rPr>
+              <a:t>, Red Bull</a:t>
+            </a:r>
+            <a:r>
+              <a:rPr lang="en-US" sz="1500" b="0" i="1" u="none" strike="noStrike" cap="none" dirty="0">
+                <a:solidFill>
+                  <a:schemeClr val="lt1"/>
+                </a:solidFill>
+                <a:latin typeface="Arial Narrow"/>
+                <a:ea typeface="Arial Narrow"/>
+                <a:cs typeface="Arial Narrow"/>
+                <a:sym typeface="Arial Narrow"/>
+              </a:rPr>
+              <a:t>, Coke,</a:t>
+            </a:r>
+            <a:br>
+              <a:rPr lang="en-US" sz="1500" b="0" i="1" u="none" strike="noStrike" cap="none" dirty="0">
+                <a:solidFill>
+                  <a:schemeClr val="lt1"/>
+                </a:solidFill>
+                <a:latin typeface="Arial Narrow"/>
+                <a:ea typeface="Arial Narrow"/>
+                <a:cs typeface="Arial Narrow"/>
+                <a:sym typeface="Arial Narrow"/>
+              </a:rPr>
+            </a:br>
+            <a:r>
+              <a:rPr lang="en-US" sz="1500" b="0" i="1" u="none" strike="noStrike" cap="none" dirty="0">
+                <a:solidFill>
+                  <a:schemeClr val="lt1"/>
+                </a:solidFill>
+                <a:latin typeface="Arial Narrow"/>
+                <a:ea typeface="Arial Narrow"/>
+                <a:cs typeface="Arial Narrow"/>
+                <a:sym typeface="Arial Narrow"/>
+              </a:rPr>
+              <a:t>Sprite, Fanta, Iced Tea, etc.</a:t>
+            </a:r>
             <a:endParaRPr sz="2000" b="0" i="0" u="none" strike="noStrike" cap="none" dirty="0">
               <a:solidFill>
                 <a:schemeClr val="lt1"/>
@@ -17438,7 +17634,7 @@
         </p:nvSpPr>
         <p:spPr>
           <a:xfrm>
-            <a:off x="170226" y="9560531"/>
+            <a:off x="170226" y="9591846"/>
             <a:ext cx="3438300" cy="378900"/>
           </a:xfrm>
           <a:prstGeom prst="rect">
@@ -17586,7 +17782,7 @@
         </p:nvGrpSpPr>
         <p:grpSpPr>
           <a:xfrm>
-            <a:off x="2518410" y="1911337"/>
+            <a:off x="2518410" y="1873759"/>
             <a:ext cx="815274" cy="523220"/>
             <a:chOff x="2415540" y="1937095"/>
             <a:chExt cx="815274" cy="523220"/>
@@ -17719,7 +17915,7 @@
         </p:blipFill>
         <p:spPr>
           <a:xfrm>
-            <a:off x="1436019" y="8739999"/>
+            <a:off x="1436019" y="8808892"/>
             <a:ext cx="782375" cy="782375"/>
           </a:xfrm>
           <a:prstGeom prst="rect">

--- a/misc/Menu Letter 8.5 by 11 on 12-12-24/1_Letter_DaBeast Services Menu.pptx
+++ b/misc/Menu Letter 8.5 by 11 on 12-12-24/1_Letter_DaBeast Services Menu.pptx
@@ -17745,7 +17745,7 @@
               <a:buNone/>
             </a:pPr>
             <a:r>
-              <a:rPr lang="en-US" sz="1800" b="0" i="1" u="none" strike="noStrike" cap="none">
+              <a:rPr lang="en-US" sz="1800" b="0" i="1" u="none" strike="noStrike" cap="none" dirty="0">
                 <a:solidFill>
                   <a:schemeClr val="lt1"/>
                 </a:solidFill>
@@ -17754,9 +17754,21 @@
                 <a:cs typeface="Arial"/>
                 <a:sym typeface="Arial"/>
               </a:rPr>
-              <a:t>(719) 551-9409</a:t>
+              <a:t>(719</a:t>
             </a:r>
-            <a:endParaRPr sz="1500" b="0" i="0" u="none" strike="noStrike" cap="none">
+            <a:r>
+              <a:rPr lang="en-US" sz="1800" b="0" i="1" u="none" strike="noStrike" cap="none">
+                <a:solidFill>
+                  <a:schemeClr val="lt1"/>
+                </a:solidFill>
+                <a:latin typeface="Arial"/>
+                <a:ea typeface="Arial"/>
+                <a:cs typeface="Arial"/>
+                <a:sym typeface="Arial"/>
+              </a:rPr>
+              <a:t>) 243-2541</a:t>
+            </a:r>
+            <a:endParaRPr sz="1500" b="0" i="0" u="none" strike="noStrike" cap="none" dirty="0">
               <a:solidFill>
                 <a:srgbClr val="000000"/>
               </a:solidFill>
